--- a/ük335.pptx
+++ b/ük335.pptx
@@ -7,6 +7,9 @@
   <p:sldIdLst>
     <p:sldId id="256" r:id="rId2"/>
     <p:sldId id="257" r:id="rId3"/>
+    <p:sldId id="258" r:id="rId4"/>
+    <p:sldId id="259" r:id="rId5"/>
+    <p:sldId id="260" r:id="rId6"/>
   </p:sldIdLst>
   <p:sldSz cx="12192000" cy="6858000"/>
   <p:notesSz cx="6858000" cy="9144000"/>
@@ -105,6 +108,11 @@
       </a:defRPr>
     </a:lvl9pPr>
   </p:defaultTextStyle>
+  <p:extLst>
+    <p:ext uri="{EFAFB233-063F-42B5-8137-9DF3F51BA10A}">
+      <p15:sldGuideLst xmlns:p15="http://schemas.microsoft.com/office/powerpoint/2012/main"/>
+    </p:ext>
+  </p:extLst>
 </p:presentation>
 </file>
 
@@ -3078,7 +3086,7 @@
         </p:nvSpPr>
         <p:spPr>
           <a:xfrm>
-            <a:off x="838200" y="925842"/>
+            <a:off x="-991700" y="1155172"/>
             <a:ext cx="10515600" cy="1325563"/>
           </a:xfrm>
         </p:spPr>
@@ -3086,6 +3094,7 @@
           <a:bodyPr/>
           <a:lstStyle/>
           <a:p>
+            <a:pPr algn="ctr"/>
             <a:r>
               <a:rPr lang="de-CH" dirty="0" smtClean="0">
                 <a:solidFill>
@@ -3110,7 +3119,7 @@
         </p:nvSpPr>
         <p:spPr>
           <a:xfrm>
-            <a:off x="241540" y="4934310"/>
+            <a:off x="5754428" y="2592137"/>
             <a:ext cx="4986068" cy="400110"/>
           </a:xfrm>
           <a:prstGeom prst="rect">
@@ -3144,7 +3153,7 @@
         </p:nvSpPr>
         <p:spPr>
           <a:xfrm>
-            <a:off x="6234023" y="4934310"/>
+            <a:off x="5754428" y="3717645"/>
             <a:ext cx="4986068" cy="400110"/>
           </a:xfrm>
           <a:prstGeom prst="rect">
@@ -3170,10 +3179,300 @@
           </a:p>
         </p:txBody>
       </p:sp>
+      <p:pic>
+        <p:nvPicPr>
+          <p:cNvPr id="3" name="Grafik 2"/>
+          <p:cNvPicPr>
+            <a:picLocks noChangeAspect="1"/>
+          </p:cNvPicPr>
+          <p:nvPr/>
+        </p:nvPicPr>
+        <p:blipFill>
+          <a:blip r:embed="rId2">
+            <a:extLst>
+              <a:ext uri="{28A0092B-C50C-407E-A947-70E740481C1C}">
+                <a14:useLocalDpi xmlns:a14="http://schemas.microsoft.com/office/drawing/2010/main" val="0"/>
+              </a:ext>
+            </a:extLst>
+          </a:blip>
+          <a:stretch>
+            <a:fillRect/>
+          </a:stretch>
+        </p:blipFill>
+        <p:spPr>
+          <a:xfrm>
+            <a:off x="2437529" y="1817954"/>
+            <a:ext cx="3657143" cy="3657143"/>
+          </a:xfrm>
+          <a:prstGeom prst="rect">
+            <a:avLst/>
+          </a:prstGeom>
+        </p:spPr>
+      </p:pic>
     </p:spTree>
     <p:extLst>
       <p:ext uri="{BB962C8B-B14F-4D97-AF65-F5344CB8AC3E}">
         <p14:creationId xmlns:p14="http://schemas.microsoft.com/office/powerpoint/2010/main" val="1935225220"/>
+      </p:ext>
+    </p:extLst>
+  </p:cSld>
+  <p:clrMapOvr>
+    <a:masterClrMapping/>
+  </p:clrMapOvr>
+</p:sld>
+</file>
+
+<file path=ppt/slides/slide3.xml><?xml version="1.0" encoding="utf-8"?>
+<p:sld xmlns:a="http://schemas.openxmlformats.org/drawingml/2006/main" xmlns:r="http://schemas.openxmlformats.org/officeDocument/2006/relationships" xmlns:p="http://schemas.openxmlformats.org/presentationml/2006/main">
+  <p:cSld>
+    <p:spTree>
+      <p:nvGrpSpPr>
+        <p:cNvPr id="1" name=""/>
+        <p:cNvGrpSpPr/>
+        <p:nvPr/>
+      </p:nvGrpSpPr>
+      <p:grpSpPr>
+        <a:xfrm>
+          <a:off x="0" y="0"/>
+          <a:ext cx="0" cy="0"/>
+          <a:chOff x="0" y="0"/>
+          <a:chExt cx="0" cy="0"/>
+        </a:xfrm>
+      </p:grpSpPr>
+      <p:sp>
+        <p:nvSpPr>
+          <p:cNvPr id="2" name="Titel 1"/>
+          <p:cNvSpPr>
+            <a:spLocks noGrp="1"/>
+          </p:cNvSpPr>
+          <p:nvPr>
+            <p:ph type="title"/>
+          </p:nvPr>
+        </p:nvSpPr>
+        <p:spPr>
+          <a:xfrm>
+            <a:off x="838199" y="950913"/>
+            <a:ext cx="10515600" cy="1325563"/>
+          </a:xfrm>
+        </p:spPr>
+        <p:txBody>
+          <a:bodyPr/>
+          <a:lstStyle/>
+          <a:p>
+            <a:pPr algn="ctr"/>
+            <a:r>
+              <a:rPr lang="de-CH" dirty="0" smtClean="0">
+                <a:solidFill>
+                  <a:schemeClr val="bg1"/>
+                </a:solidFill>
+              </a:rPr>
+              <a:t>F&amp;P-KKS</a:t>
+            </a:r>
+            <a:endParaRPr lang="de-CH" dirty="0">
+              <a:solidFill>
+                <a:schemeClr val="bg1"/>
+              </a:solidFill>
+            </a:endParaRPr>
+          </a:p>
+        </p:txBody>
+      </p:sp>
+      <p:pic>
+        <p:nvPicPr>
+          <p:cNvPr id="4" name="Inhaltsplatzhalter 3"/>
+          <p:cNvPicPr>
+            <a:picLocks noGrp="1" noChangeAspect="1"/>
+          </p:cNvPicPr>
+          <p:nvPr>
+            <p:ph idx="1"/>
+          </p:nvPr>
+        </p:nvPicPr>
+        <p:blipFill>
+          <a:blip r:embed="rId2" cstate="print">
+            <a:extLst>
+              <a:ext uri="{28A0092B-C50C-407E-A947-70E740481C1C}">
+                <a14:useLocalDpi xmlns:a14="http://schemas.microsoft.com/office/drawing/2010/main" val="0"/>
+              </a:ext>
+            </a:extLst>
+          </a:blip>
+          <a:stretch>
+            <a:fillRect/>
+          </a:stretch>
+        </p:blipFill>
+        <p:spPr>
+          <a:xfrm>
+            <a:off x="4691838" y="2276476"/>
+            <a:ext cx="2808321" cy="2808321"/>
+          </a:xfrm>
+        </p:spPr>
+      </p:pic>
+    </p:spTree>
+    <p:extLst>
+      <p:ext uri="{BB962C8B-B14F-4D97-AF65-F5344CB8AC3E}">
+        <p14:creationId xmlns:p14="http://schemas.microsoft.com/office/powerpoint/2010/main" val="3602545609"/>
+      </p:ext>
+    </p:extLst>
+  </p:cSld>
+  <p:clrMapOvr>
+    <a:masterClrMapping/>
+  </p:clrMapOvr>
+</p:sld>
+</file>
+
+<file path=ppt/slides/slide4.xml><?xml version="1.0" encoding="utf-8"?>
+<p:sld xmlns:a="http://schemas.openxmlformats.org/drawingml/2006/main" xmlns:r="http://schemas.openxmlformats.org/officeDocument/2006/relationships" xmlns:p="http://schemas.openxmlformats.org/presentationml/2006/main">
+  <p:cSld>
+    <p:spTree>
+      <p:nvGrpSpPr>
+        <p:cNvPr id="1" name=""/>
+        <p:cNvGrpSpPr/>
+        <p:nvPr/>
+      </p:nvGrpSpPr>
+      <p:grpSpPr>
+        <a:xfrm>
+          <a:off x="0" y="0"/>
+          <a:ext cx="0" cy="0"/>
+          <a:chOff x="0" y="0"/>
+          <a:chExt cx="0" cy="0"/>
+        </a:xfrm>
+      </p:grpSpPr>
+      <p:sp>
+        <p:nvSpPr>
+          <p:cNvPr id="2" name="Titel 1"/>
+          <p:cNvSpPr>
+            <a:spLocks noGrp="1"/>
+          </p:cNvSpPr>
+          <p:nvPr>
+            <p:ph type="title"/>
+          </p:nvPr>
+        </p:nvSpPr>
+        <p:spPr>
+          <a:xfrm>
+            <a:off x="838200" y="908050"/>
+            <a:ext cx="10515600" cy="1325563"/>
+          </a:xfrm>
+        </p:spPr>
+        <p:txBody>
+          <a:bodyPr/>
+          <a:lstStyle/>
+          <a:p>
+            <a:pPr algn="ctr"/>
+            <a:r>
+              <a:rPr lang="de-CH" dirty="0" smtClean="0">
+                <a:solidFill>
+                  <a:schemeClr val="bg1"/>
+                </a:solidFill>
+              </a:rPr>
+              <a:t>Anforderungen</a:t>
+            </a:r>
+            <a:endParaRPr lang="de-CH" dirty="0">
+              <a:solidFill>
+                <a:schemeClr val="bg1"/>
+              </a:solidFill>
+            </a:endParaRPr>
+          </a:p>
+        </p:txBody>
+      </p:sp>
+      <p:pic>
+        <p:nvPicPr>
+          <p:cNvPr id="4" name="Inhaltsplatzhalter 3"/>
+          <p:cNvPicPr>
+            <a:picLocks noGrp="1" noChangeAspect="1"/>
+          </p:cNvPicPr>
+          <p:nvPr>
+            <p:ph idx="1"/>
+          </p:nvPr>
+        </p:nvPicPr>
+        <p:blipFill>
+          <a:blip r:embed="rId2">
+            <a:extLst>
+              <a:ext uri="{28A0092B-C50C-407E-A947-70E740481C1C}">
+                <a14:useLocalDpi xmlns:a14="http://schemas.microsoft.com/office/drawing/2010/main" val="0"/>
+              </a:ext>
+            </a:extLst>
+          </a:blip>
+          <a:stretch>
+            <a:fillRect/>
+          </a:stretch>
+        </p:blipFill>
+        <p:spPr>
+          <a:xfrm>
+            <a:off x="4826159" y="2602866"/>
+            <a:ext cx="2539682" cy="2539682"/>
+          </a:xfrm>
+        </p:spPr>
+      </p:pic>
+    </p:spTree>
+    <p:extLst>
+      <p:ext uri="{BB962C8B-B14F-4D97-AF65-F5344CB8AC3E}">
+        <p14:creationId xmlns:p14="http://schemas.microsoft.com/office/powerpoint/2010/main" val="2066217772"/>
+      </p:ext>
+    </p:extLst>
+  </p:cSld>
+  <p:clrMapOvr>
+    <a:masterClrMapping/>
+  </p:clrMapOvr>
+</p:sld>
+</file>
+
+<file path=ppt/slides/slide5.xml><?xml version="1.0" encoding="utf-8"?>
+<p:sld xmlns:a="http://schemas.openxmlformats.org/drawingml/2006/main" xmlns:r="http://schemas.openxmlformats.org/officeDocument/2006/relationships" xmlns:p="http://schemas.openxmlformats.org/presentationml/2006/main">
+  <p:cSld>
+    <p:spTree>
+      <p:nvGrpSpPr>
+        <p:cNvPr id="1" name=""/>
+        <p:cNvGrpSpPr/>
+        <p:nvPr/>
+      </p:nvGrpSpPr>
+      <p:grpSpPr>
+        <a:xfrm>
+          <a:off x="0" y="0"/>
+          <a:ext cx="0" cy="0"/>
+          <a:chOff x="0" y="0"/>
+          <a:chExt cx="0" cy="0"/>
+        </a:xfrm>
+      </p:grpSpPr>
+      <p:sp>
+        <p:nvSpPr>
+          <p:cNvPr id="2" name="Titel 1"/>
+          <p:cNvSpPr>
+            <a:spLocks noGrp="1"/>
+          </p:cNvSpPr>
+          <p:nvPr>
+            <p:ph type="title"/>
+          </p:nvPr>
+        </p:nvSpPr>
+        <p:spPr/>
+        <p:txBody>
+          <a:bodyPr/>
+          <a:lstStyle/>
+          <a:p>
+            <a:endParaRPr lang="de-CH" dirty="0"/>
+          </a:p>
+        </p:txBody>
+      </p:sp>
+      <p:sp>
+        <p:nvSpPr>
+          <p:cNvPr id="3" name="Inhaltsplatzhalter 2"/>
+          <p:cNvSpPr>
+            <a:spLocks noGrp="1"/>
+          </p:cNvSpPr>
+          <p:nvPr>
+            <p:ph idx="1"/>
+          </p:nvPr>
+        </p:nvSpPr>
+        <p:spPr/>
+        <p:txBody>
+          <a:bodyPr/>
+          <a:lstStyle/>
+          <a:p>
+            <a:endParaRPr lang="de-CH"/>
+          </a:p>
+        </p:txBody>
+      </p:sp>
+    </p:spTree>
+    <p:extLst>
+      <p:ext uri="{BB962C8B-B14F-4D97-AF65-F5344CB8AC3E}">
+        <p14:creationId xmlns:p14="http://schemas.microsoft.com/office/powerpoint/2010/main" val="2332340231"/>
       </p:ext>
     </p:extLst>
   </p:cSld>

--- a/ük335.pptx
+++ b/ük335.pptx
@@ -9,7 +9,12 @@
     <p:sldId id="257" r:id="rId3"/>
     <p:sldId id="258" r:id="rId4"/>
     <p:sldId id="259" r:id="rId5"/>
-    <p:sldId id="260" r:id="rId6"/>
+    <p:sldId id="262" r:id="rId6"/>
+    <p:sldId id="260" r:id="rId7"/>
+    <p:sldId id="265" r:id="rId8"/>
+    <p:sldId id="261" r:id="rId9"/>
+    <p:sldId id="263" r:id="rId10"/>
+    <p:sldId id="264" r:id="rId11"/>
   </p:sldIdLst>
   <p:sldSz cx="12192000" cy="6858000"/>
   <p:notesSz cx="6858000" cy="9144000"/>
@@ -3057,6 +3062,110 @@
 </p:sld>
 </file>
 
+<file path=ppt/slides/slide10.xml><?xml version="1.0" encoding="utf-8"?>
+<p:sld xmlns:a="http://schemas.openxmlformats.org/drawingml/2006/main" xmlns:r="http://schemas.openxmlformats.org/officeDocument/2006/relationships" xmlns:p="http://schemas.openxmlformats.org/presentationml/2006/main">
+  <p:cSld>
+    <p:spTree>
+      <p:nvGrpSpPr>
+        <p:cNvPr id="1" name=""/>
+        <p:cNvGrpSpPr/>
+        <p:nvPr/>
+      </p:nvGrpSpPr>
+      <p:grpSpPr>
+        <a:xfrm>
+          <a:off x="0" y="0"/>
+          <a:ext cx="0" cy="0"/>
+          <a:chOff x="0" y="0"/>
+          <a:chExt cx="0" cy="0"/>
+        </a:xfrm>
+      </p:grpSpPr>
+      <p:sp>
+        <p:nvSpPr>
+          <p:cNvPr id="2" name="Titel 1"/>
+          <p:cNvSpPr>
+            <a:spLocks noGrp="1"/>
+          </p:cNvSpPr>
+          <p:nvPr>
+            <p:ph type="title"/>
+          </p:nvPr>
+        </p:nvSpPr>
+        <p:spPr>
+          <a:xfrm>
+            <a:off x="838200" y="934468"/>
+            <a:ext cx="10515600" cy="1325563"/>
+          </a:xfrm>
+        </p:spPr>
+        <p:txBody>
+          <a:bodyPr/>
+          <a:lstStyle/>
+          <a:p>
+            <a:pPr algn="ctr"/>
+            <a:r>
+              <a:rPr lang="de-CH" dirty="0">
+                <a:solidFill>
+                  <a:schemeClr val="bg1"/>
+                </a:solidFill>
+              </a:rPr>
+              <a:t>Fazit &amp; </a:t>
+            </a:r>
+            <a:r>
+              <a:rPr lang="de-CH" dirty="0" smtClean="0">
+                <a:solidFill>
+                  <a:schemeClr val="bg1"/>
+                </a:solidFill>
+              </a:rPr>
+              <a:t>Retrospektive</a:t>
+            </a:r>
+            <a:endParaRPr lang="de-CH" dirty="0">
+              <a:solidFill>
+                <a:schemeClr val="bg1"/>
+              </a:solidFill>
+            </a:endParaRPr>
+          </a:p>
+        </p:txBody>
+      </p:sp>
+      <p:pic>
+        <p:nvPicPr>
+          <p:cNvPr id="4" name="Inhaltsplatzhalter 3"/>
+          <p:cNvPicPr>
+            <a:picLocks noGrp="1" noChangeAspect="1"/>
+          </p:cNvPicPr>
+          <p:nvPr>
+            <p:ph idx="1"/>
+          </p:nvPr>
+        </p:nvPicPr>
+        <p:blipFill>
+          <a:blip r:embed="rId2">
+            <a:extLst>
+              <a:ext uri="{28A0092B-C50C-407E-A947-70E740481C1C}">
+                <a14:useLocalDpi xmlns:a14="http://schemas.microsoft.com/office/drawing/2010/main" val="0"/>
+              </a:ext>
+            </a:extLst>
+          </a:blip>
+          <a:stretch>
+            <a:fillRect/>
+          </a:stretch>
+        </p:blipFill>
+        <p:spPr>
+          <a:xfrm>
+            <a:off x="4540774" y="2260031"/>
+            <a:ext cx="3110452" cy="3110452"/>
+          </a:xfrm>
+        </p:spPr>
+      </p:pic>
+    </p:spTree>
+    <p:extLst>
+      <p:ext uri="{BB962C8B-B14F-4D97-AF65-F5344CB8AC3E}">
+        <p14:creationId xmlns:p14="http://schemas.microsoft.com/office/powerpoint/2010/main" val="2594568279"/>
+      </p:ext>
+    </p:extLst>
+  </p:cSld>
+  <p:clrMapOvr>
+    <a:masterClrMapping/>
+  </p:clrMapOvr>
+</p:sld>
+</file>
+
 <file path=ppt/slides/slide2.xml><?xml version="1.0" encoding="utf-8"?>
 <p:sld xmlns:a="http://schemas.openxmlformats.org/drawingml/2006/main" xmlns:r="http://schemas.openxmlformats.org/officeDocument/2006/relationships" xmlns:p="http://schemas.openxmlformats.org/presentationml/2006/main">
   <p:cSld>
@@ -3441,38 +3550,339 @@
             <p:ph type="title"/>
           </p:nvPr>
         </p:nvSpPr>
-        <p:spPr/>
-        <p:txBody>
-          <a:bodyPr/>
-          <a:lstStyle/>
-          <a:p>
-            <a:endParaRPr lang="de-CH" dirty="0"/>
-          </a:p>
-        </p:txBody>
-      </p:sp>
-      <p:sp>
-        <p:nvSpPr>
-          <p:cNvPr id="3" name="Inhaltsplatzhalter 2"/>
-          <p:cNvSpPr>
-            <a:spLocks noGrp="1"/>
-          </p:cNvSpPr>
+        <p:spPr>
+          <a:xfrm>
+            <a:off x="838199" y="925842"/>
+            <a:ext cx="10515600" cy="1325563"/>
+          </a:xfrm>
+        </p:spPr>
+        <p:txBody>
+          <a:bodyPr/>
+          <a:lstStyle/>
+          <a:p>
+            <a:pPr algn="ctr"/>
+            <a:r>
+              <a:rPr lang="de-CH" dirty="0" smtClean="0">
+                <a:solidFill>
+                  <a:schemeClr val="bg1"/>
+                </a:solidFill>
+              </a:rPr>
+              <a:t>Finger-Scanner</a:t>
+            </a:r>
+            <a:endParaRPr lang="de-CH" dirty="0">
+              <a:solidFill>
+                <a:schemeClr val="bg1"/>
+              </a:solidFill>
+            </a:endParaRPr>
+          </a:p>
+        </p:txBody>
+      </p:sp>
+      <p:pic>
+        <p:nvPicPr>
+          <p:cNvPr id="4" name="Inhaltsplatzhalter 3"/>
+          <p:cNvPicPr>
+            <a:picLocks noGrp="1" noChangeAspect="1"/>
+          </p:cNvPicPr>
           <p:nvPr>
             <p:ph idx="1"/>
           </p:nvPr>
-        </p:nvSpPr>
-        <p:spPr/>
-        <p:txBody>
-          <a:bodyPr/>
-          <a:lstStyle/>
-          <a:p>
-            <a:endParaRPr lang="de-CH"/>
-          </a:p>
-        </p:txBody>
-      </p:sp>
+        </p:nvPicPr>
+        <p:blipFill>
+          <a:blip r:embed="rId2">
+            <a:extLst>
+              <a:ext uri="{28A0092B-C50C-407E-A947-70E740481C1C}">
+                <a14:useLocalDpi xmlns:a14="http://schemas.microsoft.com/office/drawing/2010/main" val="0"/>
+              </a:ext>
+            </a:extLst>
+          </a:blip>
+          <a:stretch>
+            <a:fillRect/>
+          </a:stretch>
+        </p:blipFill>
+        <p:spPr>
+          <a:xfrm>
+            <a:off x="4500562" y="2405856"/>
+            <a:ext cx="3190875" cy="3190875"/>
+          </a:xfrm>
+        </p:spPr>
+      </p:pic>
+    </p:spTree>
+    <p:extLst>
+      <p:ext uri="{BB962C8B-B14F-4D97-AF65-F5344CB8AC3E}">
+        <p14:creationId xmlns:p14="http://schemas.microsoft.com/office/powerpoint/2010/main" val="131241776"/>
+      </p:ext>
+    </p:extLst>
+  </p:cSld>
+  <p:clrMapOvr>
+    <a:masterClrMapping/>
+  </p:clrMapOvr>
+</p:sld>
+</file>
+
+<file path=ppt/slides/slide6.xml><?xml version="1.0" encoding="utf-8"?>
+<p:sld xmlns:a="http://schemas.openxmlformats.org/drawingml/2006/main" xmlns:r="http://schemas.openxmlformats.org/officeDocument/2006/relationships" xmlns:p="http://schemas.openxmlformats.org/presentationml/2006/main">
+  <p:cSld>
+    <p:spTree>
+      <p:nvGrpSpPr>
+        <p:cNvPr id="1" name=""/>
+        <p:cNvGrpSpPr/>
+        <p:nvPr/>
+      </p:nvGrpSpPr>
+      <p:grpSpPr>
+        <a:xfrm>
+          <a:off x="0" y="0"/>
+          <a:ext cx="0" cy="0"/>
+          <a:chOff x="0" y="0"/>
+          <a:chExt cx="0" cy="0"/>
+        </a:xfrm>
+      </p:grpSpPr>
+      <p:sp>
+        <p:nvSpPr>
+          <p:cNvPr id="2" name="Titel 1"/>
+          <p:cNvSpPr>
+            <a:spLocks noGrp="1"/>
+          </p:cNvSpPr>
+          <p:nvPr>
+            <p:ph type="title"/>
+          </p:nvPr>
+        </p:nvSpPr>
+        <p:spPr>
+          <a:xfrm>
+            <a:off x="854468" y="882710"/>
+            <a:ext cx="10515600" cy="1325563"/>
+          </a:xfrm>
+        </p:spPr>
+        <p:txBody>
+          <a:bodyPr/>
+          <a:lstStyle/>
+          <a:p>
+            <a:pPr algn="ctr"/>
+            <a:r>
+              <a:rPr lang="de-CH" dirty="0" smtClean="0">
+                <a:solidFill>
+                  <a:schemeClr val="bg1"/>
+                </a:solidFill>
+              </a:rPr>
+              <a:t>Android Studio</a:t>
+            </a:r>
+            <a:endParaRPr lang="de-CH" dirty="0">
+              <a:solidFill>
+                <a:schemeClr val="bg1"/>
+              </a:solidFill>
+            </a:endParaRPr>
+          </a:p>
+        </p:txBody>
+      </p:sp>
+      <p:pic>
+        <p:nvPicPr>
+          <p:cNvPr id="4" name="Inhaltsplatzhalter 3"/>
+          <p:cNvPicPr>
+            <a:picLocks noGrp="1" noChangeAspect="1"/>
+          </p:cNvPicPr>
+          <p:nvPr>
+            <p:ph idx="1"/>
+          </p:nvPr>
+        </p:nvPicPr>
+        <p:blipFill>
+          <a:blip r:embed="rId2" cstate="print">
+            <a:extLst>
+              <a:ext uri="{28A0092B-C50C-407E-A947-70E740481C1C}">
+                <a14:useLocalDpi xmlns:a14="http://schemas.microsoft.com/office/drawing/2010/main" val="0"/>
+              </a:ext>
+            </a:extLst>
+          </a:blip>
+          <a:stretch>
+            <a:fillRect/>
+          </a:stretch>
+        </p:blipFill>
+        <p:spPr>
+          <a:xfrm>
+            <a:off x="4580626" y="2208273"/>
+            <a:ext cx="3063284" cy="3063284"/>
+          </a:xfrm>
+        </p:spPr>
+      </p:pic>
     </p:spTree>
     <p:extLst>
       <p:ext uri="{BB962C8B-B14F-4D97-AF65-F5344CB8AC3E}">
         <p14:creationId xmlns:p14="http://schemas.microsoft.com/office/powerpoint/2010/main" val="2332340231"/>
+      </p:ext>
+    </p:extLst>
+  </p:cSld>
+  <p:clrMapOvr>
+    <a:masterClrMapping/>
+  </p:clrMapOvr>
+</p:sld>
+</file>
+
+<file path=ppt/slides/slide7.xml><?xml version="1.0" encoding="utf-8"?>
+<p:sld xmlns:a="http://schemas.openxmlformats.org/drawingml/2006/main" xmlns:r="http://schemas.openxmlformats.org/officeDocument/2006/relationships" xmlns:p="http://schemas.openxmlformats.org/presentationml/2006/main">
+  <p:cSld>
+    <p:spTree>
+      <p:nvGrpSpPr>
+        <p:cNvPr id="1" name=""/>
+        <p:cNvGrpSpPr/>
+        <p:nvPr/>
+      </p:nvGrpSpPr>
+      <p:grpSpPr>
+        <a:xfrm>
+          <a:off x="0" y="0"/>
+          <a:ext cx="0" cy="0"/>
+          <a:chOff x="0" y="0"/>
+          <a:chExt cx="0" cy="0"/>
+        </a:xfrm>
+      </p:grpSpPr>
+      <p:pic>
+        <p:nvPicPr>
+          <p:cNvPr id="4" name="Inhaltsplatzhalter 3"/>
+          <p:cNvPicPr>
+            <a:picLocks noGrp="1" noChangeAspect="1"/>
+          </p:cNvPicPr>
+          <p:nvPr>
+            <p:ph idx="1"/>
+          </p:nvPr>
+        </p:nvPicPr>
+        <p:blipFill>
+          <a:blip r:embed="rId2">
+            <a:extLst>
+              <a:ext uri="{28A0092B-C50C-407E-A947-70E740481C1C}">
+                <a14:useLocalDpi xmlns:a14="http://schemas.microsoft.com/office/drawing/2010/main" val="0"/>
+              </a:ext>
+            </a:extLst>
+          </a:blip>
+          <a:stretch>
+            <a:fillRect/>
+          </a:stretch>
+        </p:blipFill>
+        <p:spPr>
+          <a:xfrm>
+            <a:off x="3842693" y="1057874"/>
+            <a:ext cx="4351338" cy="4351338"/>
+          </a:xfrm>
+        </p:spPr>
+      </p:pic>
+    </p:spTree>
+    <p:extLst>
+      <p:ext uri="{BB962C8B-B14F-4D97-AF65-F5344CB8AC3E}">
+        <p14:creationId xmlns:p14="http://schemas.microsoft.com/office/powerpoint/2010/main" val="2314990137"/>
+      </p:ext>
+    </p:extLst>
+  </p:cSld>
+  <p:clrMapOvr>
+    <a:masterClrMapping/>
+  </p:clrMapOvr>
+</p:sld>
+</file>
+
+<file path=ppt/slides/slide8.xml><?xml version="1.0" encoding="utf-8"?>
+<p:sld xmlns:a="http://schemas.openxmlformats.org/drawingml/2006/main" xmlns:r="http://schemas.openxmlformats.org/officeDocument/2006/relationships" xmlns:p="http://schemas.openxmlformats.org/presentationml/2006/main">
+  <p:cSld>
+    <p:spTree>
+      <p:nvGrpSpPr>
+        <p:cNvPr id="1" name=""/>
+        <p:cNvGrpSpPr/>
+        <p:nvPr/>
+      </p:nvGrpSpPr>
+      <p:grpSpPr>
+        <a:xfrm>
+          <a:off x="0" y="0"/>
+          <a:ext cx="0" cy="0"/>
+          <a:chOff x="0" y="0"/>
+          <a:chExt cx="0" cy="0"/>
+        </a:xfrm>
+      </p:grpSpPr>
+      <p:pic>
+        <p:nvPicPr>
+          <p:cNvPr id="4" name="Inhaltsplatzhalter 3"/>
+          <p:cNvPicPr>
+            <a:picLocks noGrp="1" noChangeAspect="1"/>
+          </p:cNvPicPr>
+          <p:nvPr>
+            <p:ph idx="1"/>
+          </p:nvPr>
+        </p:nvPicPr>
+        <p:blipFill>
+          <a:blip r:embed="rId2">
+            <a:extLst>
+              <a:ext uri="{28A0092B-C50C-407E-A947-70E740481C1C}">
+                <a14:useLocalDpi xmlns:a14="http://schemas.microsoft.com/office/drawing/2010/main" val="0"/>
+              </a:ext>
+            </a:extLst>
+          </a:blip>
+          <a:stretch>
+            <a:fillRect/>
+          </a:stretch>
+        </p:blipFill>
+        <p:spPr>
+          <a:xfrm>
+            <a:off x="1281694" y="1170017"/>
+            <a:ext cx="9180037" cy="4351338"/>
+          </a:xfrm>
+        </p:spPr>
+      </p:pic>
+    </p:spTree>
+    <p:extLst>
+      <p:ext uri="{BB962C8B-B14F-4D97-AF65-F5344CB8AC3E}">
+        <p14:creationId xmlns:p14="http://schemas.microsoft.com/office/powerpoint/2010/main" val="3992326789"/>
+      </p:ext>
+    </p:extLst>
+  </p:cSld>
+  <p:clrMapOvr>
+    <a:masterClrMapping/>
+  </p:clrMapOvr>
+</p:sld>
+</file>
+
+<file path=ppt/slides/slide9.xml><?xml version="1.0" encoding="utf-8"?>
+<p:sld xmlns:a="http://schemas.openxmlformats.org/drawingml/2006/main" xmlns:r="http://schemas.openxmlformats.org/officeDocument/2006/relationships" xmlns:p="http://schemas.openxmlformats.org/presentationml/2006/main">
+  <p:cSld>
+    <p:spTree>
+      <p:nvGrpSpPr>
+        <p:cNvPr id="1" name=""/>
+        <p:cNvGrpSpPr/>
+        <p:nvPr/>
+      </p:nvGrpSpPr>
+      <p:grpSpPr>
+        <a:xfrm>
+          <a:off x="0" y="0"/>
+          <a:ext cx="0" cy="0"/>
+          <a:chOff x="0" y="0"/>
+          <a:chExt cx="0" cy="0"/>
+        </a:xfrm>
+      </p:grpSpPr>
+      <p:pic>
+        <p:nvPicPr>
+          <p:cNvPr id="4" name="Inhaltsplatzhalter 3"/>
+          <p:cNvPicPr>
+            <a:picLocks noGrp="1" noChangeAspect="1"/>
+          </p:cNvPicPr>
+          <p:nvPr>
+            <p:ph idx="1"/>
+          </p:nvPr>
+        </p:nvPicPr>
+        <p:blipFill>
+          <a:blip r:embed="rId2">
+            <a:extLst>
+              <a:ext uri="{28A0092B-C50C-407E-A947-70E740481C1C}">
+                <a14:useLocalDpi xmlns:a14="http://schemas.microsoft.com/office/drawing/2010/main" val="0"/>
+              </a:ext>
+            </a:extLst>
+          </a:blip>
+          <a:stretch>
+            <a:fillRect/>
+          </a:stretch>
+        </p:blipFill>
+        <p:spPr>
+          <a:xfrm>
+            <a:off x="3851319" y="1221776"/>
+            <a:ext cx="4351338" cy="4351338"/>
+          </a:xfrm>
+        </p:spPr>
+      </p:pic>
+    </p:spTree>
+    <p:extLst>
+      <p:ext uri="{BB962C8B-B14F-4D97-AF65-F5344CB8AC3E}">
+        <p14:creationId xmlns:p14="http://schemas.microsoft.com/office/powerpoint/2010/main" val="3502625846"/>
       </p:ext>
     </p:extLst>
   </p:cSld>

--- a/ük335.pptx
+++ b/ük335.pptx
@@ -9,12 +9,13 @@
     <p:sldId id="257" r:id="rId3"/>
     <p:sldId id="258" r:id="rId4"/>
     <p:sldId id="259" r:id="rId5"/>
-    <p:sldId id="262" r:id="rId6"/>
-    <p:sldId id="260" r:id="rId7"/>
-    <p:sldId id="265" r:id="rId8"/>
-    <p:sldId id="261" r:id="rId9"/>
-    <p:sldId id="263" r:id="rId10"/>
-    <p:sldId id="264" r:id="rId11"/>
+    <p:sldId id="266" r:id="rId6"/>
+    <p:sldId id="262" r:id="rId7"/>
+    <p:sldId id="260" r:id="rId8"/>
+    <p:sldId id="265" r:id="rId9"/>
+    <p:sldId id="261" r:id="rId10"/>
+    <p:sldId id="263" r:id="rId11"/>
+    <p:sldId id="264" r:id="rId12"/>
   </p:sldIdLst>
   <p:sldSz cx="12192000" cy="6858000"/>
   <p:notesSz cx="6858000" cy="9144000"/>
@@ -252,7 +253,7 @@
           <a:p>
             <a:fld id="{E2DB5727-DCD0-46D4-9BDF-58AA2F0B070A}" type="datetimeFigureOut">
               <a:rPr lang="de-CH" smtClean="0"/>
-              <a:t>07.03.2018</a:t>
+              <a:t>08.03.2018</a:t>
             </a:fld>
             <a:endParaRPr lang="de-CH"/>
           </a:p>
@@ -422,7 +423,7 @@
           <a:p>
             <a:fld id="{E2DB5727-DCD0-46D4-9BDF-58AA2F0B070A}" type="datetimeFigureOut">
               <a:rPr lang="de-CH" smtClean="0"/>
-              <a:t>07.03.2018</a:t>
+              <a:t>08.03.2018</a:t>
             </a:fld>
             <a:endParaRPr lang="de-CH"/>
           </a:p>
@@ -602,7 +603,7 @@
           <a:p>
             <a:fld id="{E2DB5727-DCD0-46D4-9BDF-58AA2F0B070A}" type="datetimeFigureOut">
               <a:rPr lang="de-CH" smtClean="0"/>
-              <a:t>07.03.2018</a:t>
+              <a:t>08.03.2018</a:t>
             </a:fld>
             <a:endParaRPr lang="de-CH"/>
           </a:p>
@@ -772,7 +773,7 @@
           <a:p>
             <a:fld id="{E2DB5727-DCD0-46D4-9BDF-58AA2F0B070A}" type="datetimeFigureOut">
               <a:rPr lang="de-CH" smtClean="0"/>
-              <a:t>07.03.2018</a:t>
+              <a:t>08.03.2018</a:t>
             </a:fld>
             <a:endParaRPr lang="de-CH"/>
           </a:p>
@@ -1018,7 +1019,7 @@
           <a:p>
             <a:fld id="{E2DB5727-DCD0-46D4-9BDF-58AA2F0B070A}" type="datetimeFigureOut">
               <a:rPr lang="de-CH" smtClean="0"/>
-              <a:t>07.03.2018</a:t>
+              <a:t>08.03.2018</a:t>
             </a:fld>
             <a:endParaRPr lang="de-CH"/>
           </a:p>
@@ -1250,7 +1251,7 @@
           <a:p>
             <a:fld id="{E2DB5727-DCD0-46D4-9BDF-58AA2F0B070A}" type="datetimeFigureOut">
               <a:rPr lang="de-CH" smtClean="0"/>
-              <a:t>07.03.2018</a:t>
+              <a:t>08.03.2018</a:t>
             </a:fld>
             <a:endParaRPr lang="de-CH"/>
           </a:p>
@@ -1617,7 +1618,7 @@
           <a:p>
             <a:fld id="{E2DB5727-DCD0-46D4-9BDF-58AA2F0B070A}" type="datetimeFigureOut">
               <a:rPr lang="de-CH" smtClean="0"/>
-              <a:t>07.03.2018</a:t>
+              <a:t>08.03.2018</a:t>
             </a:fld>
             <a:endParaRPr lang="de-CH"/>
           </a:p>
@@ -1735,7 +1736,7 @@
           <a:p>
             <a:fld id="{E2DB5727-DCD0-46D4-9BDF-58AA2F0B070A}" type="datetimeFigureOut">
               <a:rPr lang="de-CH" smtClean="0"/>
-              <a:t>07.03.2018</a:t>
+              <a:t>08.03.2018</a:t>
             </a:fld>
             <a:endParaRPr lang="de-CH"/>
           </a:p>
@@ -1830,7 +1831,7 @@
           <a:p>
             <a:fld id="{E2DB5727-DCD0-46D4-9BDF-58AA2F0B070A}" type="datetimeFigureOut">
               <a:rPr lang="de-CH" smtClean="0"/>
-              <a:t>07.03.2018</a:t>
+              <a:t>08.03.2018</a:t>
             </a:fld>
             <a:endParaRPr lang="de-CH"/>
           </a:p>
@@ -2107,7 +2108,7 @@
           <a:p>
             <a:fld id="{E2DB5727-DCD0-46D4-9BDF-58AA2F0B070A}" type="datetimeFigureOut">
               <a:rPr lang="de-CH" smtClean="0"/>
-              <a:t>07.03.2018</a:t>
+              <a:t>08.03.2018</a:t>
             </a:fld>
             <a:endParaRPr lang="de-CH"/>
           </a:p>
@@ -2360,7 +2361,7 @@
           <a:p>
             <a:fld id="{E2DB5727-DCD0-46D4-9BDF-58AA2F0B070A}" type="datetimeFigureOut">
               <a:rPr lang="de-CH" smtClean="0"/>
-              <a:t>07.03.2018</a:t>
+              <a:t>08.03.2018</a:t>
             </a:fld>
             <a:endParaRPr lang="de-CH"/>
           </a:p>
@@ -2582,7 +2583,7 @@
           <a:p>
             <a:fld id="{E2DB5727-DCD0-46D4-9BDF-58AA2F0B070A}" type="datetimeFigureOut">
               <a:rPr lang="de-CH" smtClean="0"/>
-              <a:t>07.03.2018</a:t>
+              <a:t>08.03.2018</a:t>
             </a:fld>
             <a:endParaRPr lang="de-CH"/>
           </a:p>
@@ -3059,10 +3060,83 @@
   <p:clrMapOvr>
     <a:masterClrMapping/>
   </p:clrMapOvr>
+  <p:timing>
+    <p:tnLst>
+      <p:par>
+        <p:cTn id="1" dur="indefinite" restart="never" nodeType="tmRoot"/>
+      </p:par>
+    </p:tnLst>
+  </p:timing>
 </p:sld>
 </file>
 
 <file path=ppt/slides/slide10.xml><?xml version="1.0" encoding="utf-8"?>
+<p:sld xmlns:a="http://schemas.openxmlformats.org/drawingml/2006/main" xmlns:r="http://schemas.openxmlformats.org/officeDocument/2006/relationships" xmlns:p="http://schemas.openxmlformats.org/presentationml/2006/main">
+  <p:cSld>
+    <p:spTree>
+      <p:nvGrpSpPr>
+        <p:cNvPr id="1" name=""/>
+        <p:cNvGrpSpPr/>
+        <p:nvPr/>
+      </p:nvGrpSpPr>
+      <p:grpSpPr>
+        <a:xfrm>
+          <a:off x="0" y="0"/>
+          <a:ext cx="0" cy="0"/>
+          <a:chOff x="0" y="0"/>
+          <a:chExt cx="0" cy="0"/>
+        </a:xfrm>
+      </p:grpSpPr>
+      <p:pic>
+        <p:nvPicPr>
+          <p:cNvPr id="4" name="Inhaltsplatzhalter 3"/>
+          <p:cNvPicPr>
+            <a:picLocks noGrp="1" noChangeAspect="1"/>
+          </p:cNvPicPr>
+          <p:nvPr>
+            <p:ph idx="1"/>
+          </p:nvPr>
+        </p:nvPicPr>
+        <p:blipFill>
+          <a:blip r:embed="rId2">
+            <a:extLst>
+              <a:ext uri="{28A0092B-C50C-407E-A947-70E740481C1C}">
+                <a14:useLocalDpi xmlns:a14="http://schemas.microsoft.com/office/drawing/2010/main" val="0"/>
+              </a:ext>
+            </a:extLst>
+          </a:blip>
+          <a:stretch>
+            <a:fillRect/>
+          </a:stretch>
+        </p:blipFill>
+        <p:spPr>
+          <a:xfrm>
+            <a:off x="3851319" y="1221776"/>
+            <a:ext cx="4351338" cy="4351338"/>
+          </a:xfrm>
+        </p:spPr>
+      </p:pic>
+    </p:spTree>
+    <p:extLst>
+      <p:ext uri="{BB962C8B-B14F-4D97-AF65-F5344CB8AC3E}">
+        <p14:creationId xmlns:p14="http://schemas.microsoft.com/office/powerpoint/2010/main" val="3502625846"/>
+      </p:ext>
+    </p:extLst>
+  </p:cSld>
+  <p:clrMapOvr>
+    <a:masterClrMapping/>
+  </p:clrMapOvr>
+  <p:timing>
+    <p:tnLst>
+      <p:par>
+        <p:cTn id="1" dur="indefinite" restart="never" nodeType="tmRoot"/>
+      </p:par>
+    </p:tnLst>
+  </p:timing>
+</p:sld>
+</file>
+
+<file path=ppt/slides/slide11.xml><?xml version="1.0" encoding="utf-8"?>
 <p:sld xmlns:a="http://schemas.openxmlformats.org/drawingml/2006/main" xmlns:r="http://schemas.openxmlformats.org/officeDocument/2006/relationships" xmlns:p="http://schemas.openxmlformats.org/presentationml/2006/main">
   <p:cSld>
     <p:spTree>
@@ -3163,6 +3237,13 @@
   <p:clrMapOvr>
     <a:masterClrMapping/>
   </p:clrMapOvr>
+  <p:timing>
+    <p:tnLst>
+      <p:par>
+        <p:cTn id="1" dur="indefinite" restart="never" nodeType="tmRoot"/>
+      </p:par>
+    </p:tnLst>
+  </p:timing>
 </p:sld>
 </file>
 
@@ -3328,6 +3409,13 @@
   <p:clrMapOvr>
     <a:masterClrMapping/>
   </p:clrMapOvr>
+  <p:timing>
+    <p:tnLst>
+      <p:par>
+        <p:cTn id="1" dur="indefinite" restart="never" nodeType="tmRoot"/>
+      </p:par>
+    </p:tnLst>
+  </p:timing>
 </p:sld>
 </file>
 
@@ -3424,6 +3512,13 @@
   <p:clrMapOvr>
     <a:masterClrMapping/>
   </p:clrMapOvr>
+  <p:timing>
+    <p:tnLst>
+      <p:par>
+        <p:cTn id="1" dur="indefinite" restart="never" nodeType="tmRoot"/>
+      </p:par>
+    </p:tnLst>
+  </p:timing>
 </p:sld>
 </file>
 
@@ -3520,10 +3615,106 @@
   <p:clrMapOvr>
     <a:masterClrMapping/>
   </p:clrMapOvr>
+  <p:timing>
+    <p:tnLst>
+      <p:par>
+        <p:cTn id="1" dur="indefinite" restart="never" nodeType="tmRoot"/>
+      </p:par>
+    </p:tnLst>
+  </p:timing>
 </p:sld>
 </file>
 
 <file path=ppt/slides/slide5.xml><?xml version="1.0" encoding="utf-8"?>
+<p:sld xmlns:a="http://schemas.openxmlformats.org/drawingml/2006/main" xmlns:r="http://schemas.openxmlformats.org/officeDocument/2006/relationships" xmlns:p="http://schemas.openxmlformats.org/presentationml/2006/main">
+  <p:cSld>
+    <p:spTree>
+      <p:nvGrpSpPr>
+        <p:cNvPr id="1" name=""/>
+        <p:cNvGrpSpPr/>
+        <p:nvPr/>
+      </p:nvGrpSpPr>
+      <p:grpSpPr>
+        <a:xfrm>
+          <a:off x="0" y="0"/>
+          <a:ext cx="0" cy="0"/>
+          <a:chOff x="0" y="0"/>
+          <a:chExt cx="0" cy="0"/>
+        </a:xfrm>
+      </p:grpSpPr>
+      <p:sp>
+        <p:nvSpPr>
+          <p:cNvPr id="2" name="Titel 1"/>
+          <p:cNvSpPr>
+            <a:spLocks noGrp="1"/>
+          </p:cNvSpPr>
+          <p:nvPr>
+            <p:ph type="title"/>
+          </p:nvPr>
+        </p:nvSpPr>
+        <p:spPr>
+          <a:xfrm>
+            <a:off x="786441" y="2832280"/>
+            <a:ext cx="10515600" cy="1325563"/>
+          </a:xfrm>
+        </p:spPr>
+        <p:txBody>
+          <a:bodyPr/>
+          <a:lstStyle/>
+          <a:p>
+            <a:pPr algn="ctr"/>
+            <a:r>
+              <a:rPr lang="de-DE" b="1" dirty="0" smtClean="0">
+                <a:solidFill>
+                  <a:schemeClr val="bg1"/>
+                </a:solidFill>
+              </a:rPr>
+              <a:t>Sequenzdiagramm</a:t>
+            </a:r>
+            <a:r>
+              <a:rPr lang="de-CH" b="1" dirty="0">
+                <a:solidFill>
+                  <a:schemeClr val="bg1"/>
+                </a:solidFill>
+              </a:rPr>
+              <a:t/>
+            </a:r>
+            <a:br>
+              <a:rPr lang="de-CH" b="1" dirty="0">
+                <a:solidFill>
+                  <a:schemeClr val="bg1"/>
+                </a:solidFill>
+              </a:rPr>
+            </a:br>
+            <a:endParaRPr lang="de-CH" dirty="0">
+              <a:solidFill>
+                <a:schemeClr val="bg1"/>
+              </a:solidFill>
+            </a:endParaRPr>
+          </a:p>
+        </p:txBody>
+      </p:sp>
+    </p:spTree>
+    <p:extLst>
+      <p:ext uri="{BB962C8B-B14F-4D97-AF65-F5344CB8AC3E}">
+        <p14:creationId xmlns:p14="http://schemas.microsoft.com/office/powerpoint/2010/main" val="4211169027"/>
+      </p:ext>
+    </p:extLst>
+  </p:cSld>
+  <p:clrMapOvr>
+    <a:masterClrMapping/>
+  </p:clrMapOvr>
+  <p:timing>
+    <p:tnLst>
+      <p:par>
+        <p:cTn id="1" dur="indefinite" restart="never" nodeType="tmRoot"/>
+      </p:par>
+    </p:tnLst>
+  </p:timing>
+</p:sld>
+</file>
+
+<file path=ppt/slides/slide6.xml><?xml version="1.0" encoding="utf-8"?>
 <p:sld xmlns:a="http://schemas.openxmlformats.org/drawingml/2006/main" xmlns:r="http://schemas.openxmlformats.org/officeDocument/2006/relationships" xmlns:p="http://schemas.openxmlformats.org/presentationml/2006/main">
   <p:cSld>
     <p:spTree>
@@ -3616,10 +3807,17 @@
   <p:clrMapOvr>
     <a:masterClrMapping/>
   </p:clrMapOvr>
+  <p:timing>
+    <p:tnLst>
+      <p:par>
+        <p:cTn id="1" dur="indefinite" restart="never" nodeType="tmRoot"/>
+      </p:par>
+    </p:tnLst>
+  </p:timing>
 </p:sld>
 </file>
 
-<file path=ppt/slides/slide6.xml><?xml version="1.0" encoding="utf-8"?>
+<file path=ppt/slides/slide7.xml><?xml version="1.0" encoding="utf-8"?>
 <p:sld xmlns:a="http://schemas.openxmlformats.org/drawingml/2006/main" xmlns:r="http://schemas.openxmlformats.org/officeDocument/2006/relationships" xmlns:p="http://schemas.openxmlformats.org/presentationml/2006/main">
   <p:cSld>
     <p:spTree>
@@ -3712,10 +3910,17 @@
   <p:clrMapOvr>
     <a:masterClrMapping/>
   </p:clrMapOvr>
+  <p:timing>
+    <p:tnLst>
+      <p:par>
+        <p:cTn id="1" dur="indefinite" restart="never" nodeType="tmRoot"/>
+      </p:par>
+    </p:tnLst>
+  </p:timing>
 </p:sld>
 </file>
 
-<file path=ppt/slides/slide7.xml><?xml version="1.0" encoding="utf-8"?>
+<file path=ppt/slides/slide8.xml><?xml version="1.0" encoding="utf-8"?>
 <p:sld xmlns:a="http://schemas.openxmlformats.org/drawingml/2006/main" xmlns:r="http://schemas.openxmlformats.org/officeDocument/2006/relationships" xmlns:p="http://schemas.openxmlformats.org/presentationml/2006/main">
   <p:cSld>
     <p:spTree>
@@ -3771,10 +3976,17 @@
   <p:clrMapOvr>
     <a:masterClrMapping/>
   </p:clrMapOvr>
+  <p:timing>
+    <p:tnLst>
+      <p:par>
+        <p:cTn id="1" dur="indefinite" restart="never" nodeType="tmRoot"/>
+      </p:par>
+    </p:tnLst>
+  </p:timing>
 </p:sld>
 </file>
 
-<file path=ppt/slides/slide8.xml><?xml version="1.0" encoding="utf-8"?>
+<file path=ppt/slides/slide9.xml><?xml version="1.0" encoding="utf-8"?>
 <p:sld xmlns:a="http://schemas.openxmlformats.org/drawingml/2006/main" xmlns:r="http://schemas.openxmlformats.org/officeDocument/2006/relationships" xmlns:p="http://schemas.openxmlformats.org/presentationml/2006/main">
   <p:cSld>
     <p:spTree>
@@ -3830,65 +4042,13 @@
   <p:clrMapOvr>
     <a:masterClrMapping/>
   </p:clrMapOvr>
-</p:sld>
-</file>
-
-<file path=ppt/slides/slide9.xml><?xml version="1.0" encoding="utf-8"?>
-<p:sld xmlns:a="http://schemas.openxmlformats.org/drawingml/2006/main" xmlns:r="http://schemas.openxmlformats.org/officeDocument/2006/relationships" xmlns:p="http://schemas.openxmlformats.org/presentationml/2006/main">
-  <p:cSld>
-    <p:spTree>
-      <p:nvGrpSpPr>
-        <p:cNvPr id="1" name=""/>
-        <p:cNvGrpSpPr/>
-        <p:nvPr/>
-      </p:nvGrpSpPr>
-      <p:grpSpPr>
-        <a:xfrm>
-          <a:off x="0" y="0"/>
-          <a:ext cx="0" cy="0"/>
-          <a:chOff x="0" y="0"/>
-          <a:chExt cx="0" cy="0"/>
-        </a:xfrm>
-      </p:grpSpPr>
-      <p:pic>
-        <p:nvPicPr>
-          <p:cNvPr id="4" name="Inhaltsplatzhalter 3"/>
-          <p:cNvPicPr>
-            <a:picLocks noGrp="1" noChangeAspect="1"/>
-          </p:cNvPicPr>
-          <p:nvPr>
-            <p:ph idx="1"/>
-          </p:nvPr>
-        </p:nvPicPr>
-        <p:blipFill>
-          <a:blip r:embed="rId2">
-            <a:extLst>
-              <a:ext uri="{28A0092B-C50C-407E-A947-70E740481C1C}">
-                <a14:useLocalDpi xmlns:a14="http://schemas.microsoft.com/office/drawing/2010/main" val="0"/>
-              </a:ext>
-            </a:extLst>
-          </a:blip>
-          <a:stretch>
-            <a:fillRect/>
-          </a:stretch>
-        </p:blipFill>
-        <p:spPr>
-          <a:xfrm>
-            <a:off x="3851319" y="1221776"/>
-            <a:ext cx="4351338" cy="4351338"/>
-          </a:xfrm>
-        </p:spPr>
-      </p:pic>
-    </p:spTree>
-    <p:extLst>
-      <p:ext uri="{BB962C8B-B14F-4D97-AF65-F5344CB8AC3E}">
-        <p14:creationId xmlns:p14="http://schemas.microsoft.com/office/powerpoint/2010/main" val="3502625846"/>
-      </p:ext>
-    </p:extLst>
-  </p:cSld>
-  <p:clrMapOvr>
-    <a:masterClrMapping/>
-  </p:clrMapOvr>
+  <p:timing>
+    <p:tnLst>
+      <p:par>
+        <p:cTn id="1" dur="indefinite" restart="never" nodeType="tmRoot"/>
+      </p:par>
+    </p:tnLst>
+  </p:timing>
 </p:sld>
 </file>
 
